--- a/docs/diagrams/UndoRedoNewCommand3StateListDiagram.pptx
+++ b/docs/diagrams/UndoRedoNewCommand3StateListDiagram.pptx
@@ -112,10 +112,6 @@
 </p:presentation>
 </file>
 
-<file path=ppt/revisionInfo.xml><?xml version="1.0" encoding="utf-8"?>
-<p1510:revInfo xmlns:a="http://schemas.openxmlformats.org/drawingml/2006/main" xmlns:r="http://schemas.openxmlformats.org/officeDocument/2006/relationships" xmlns:p1510="http://schemas.microsoft.com/office/powerpoint/2015/10/main"/>
-</file>
-
 <file path=ppt/slideLayouts/slideLayout1.xml><?xml version="1.0" encoding="utf-8"?>
 <p:sldLayout xmlns:a="http://schemas.openxmlformats.org/drawingml/2006/main" xmlns:r="http://schemas.openxmlformats.org/officeDocument/2006/relationships" xmlns:p="http://schemas.openxmlformats.org/presentationml/2006/main" type="title" preserve="1">
   <p:cSld name="Title Slide">
@@ -265,7 +261,7 @@
           <a:p>
             <a:fld id="{03EC4E3E-8101-482F-A883-8B55DAFF7C07}" type="datetimeFigureOut">
               <a:rPr lang="en-SG" smtClean="0"/>
-              <a:t>6/7/2018</a:t>
+              <a:t>14/4/19</a:t>
             </a:fld>
             <a:endParaRPr lang="en-SG"/>
           </a:p>
@@ -465,7 +461,7 @@
           <a:p>
             <a:fld id="{03EC4E3E-8101-482F-A883-8B55DAFF7C07}" type="datetimeFigureOut">
               <a:rPr lang="en-SG" smtClean="0"/>
-              <a:t>6/7/2018</a:t>
+              <a:t>14/4/19</a:t>
             </a:fld>
             <a:endParaRPr lang="en-SG"/>
           </a:p>
@@ -675,7 +671,7 @@
           <a:p>
             <a:fld id="{03EC4E3E-8101-482F-A883-8B55DAFF7C07}" type="datetimeFigureOut">
               <a:rPr lang="en-SG" smtClean="0"/>
-              <a:t>6/7/2018</a:t>
+              <a:t>14/4/19</a:t>
             </a:fld>
             <a:endParaRPr lang="en-SG"/>
           </a:p>
@@ -875,7 +871,7 @@
           <a:p>
             <a:fld id="{03EC4E3E-8101-482F-A883-8B55DAFF7C07}" type="datetimeFigureOut">
               <a:rPr lang="en-SG" smtClean="0"/>
-              <a:t>6/7/2018</a:t>
+              <a:t>14/4/19</a:t>
             </a:fld>
             <a:endParaRPr lang="en-SG"/>
           </a:p>
@@ -1151,7 +1147,7 @@
           <a:p>
             <a:fld id="{03EC4E3E-8101-482F-A883-8B55DAFF7C07}" type="datetimeFigureOut">
               <a:rPr lang="en-SG" smtClean="0"/>
-              <a:t>6/7/2018</a:t>
+              <a:t>14/4/19</a:t>
             </a:fld>
             <a:endParaRPr lang="en-SG"/>
           </a:p>
@@ -1419,7 +1415,7 @@
           <a:p>
             <a:fld id="{03EC4E3E-8101-482F-A883-8B55DAFF7C07}" type="datetimeFigureOut">
               <a:rPr lang="en-SG" smtClean="0"/>
-              <a:t>6/7/2018</a:t>
+              <a:t>14/4/19</a:t>
             </a:fld>
             <a:endParaRPr lang="en-SG"/>
           </a:p>
@@ -1834,7 +1830,7 @@
           <a:p>
             <a:fld id="{03EC4E3E-8101-482F-A883-8B55DAFF7C07}" type="datetimeFigureOut">
               <a:rPr lang="en-SG" smtClean="0"/>
-              <a:t>6/7/2018</a:t>
+              <a:t>14/4/19</a:t>
             </a:fld>
             <a:endParaRPr lang="en-SG"/>
           </a:p>
@@ -1976,7 +1972,7 @@
           <a:p>
             <a:fld id="{03EC4E3E-8101-482F-A883-8B55DAFF7C07}" type="datetimeFigureOut">
               <a:rPr lang="en-SG" smtClean="0"/>
-              <a:t>6/7/2018</a:t>
+              <a:t>14/4/19</a:t>
             </a:fld>
             <a:endParaRPr lang="en-SG"/>
           </a:p>
@@ -2089,7 +2085,7 @@
           <a:p>
             <a:fld id="{03EC4E3E-8101-482F-A883-8B55DAFF7C07}" type="datetimeFigureOut">
               <a:rPr lang="en-SG" smtClean="0"/>
-              <a:t>6/7/2018</a:t>
+              <a:t>14/4/19</a:t>
             </a:fld>
             <a:endParaRPr lang="en-SG"/>
           </a:p>
@@ -2402,7 +2398,7 @@
           <a:p>
             <a:fld id="{03EC4E3E-8101-482F-A883-8B55DAFF7C07}" type="datetimeFigureOut">
               <a:rPr lang="en-SG" smtClean="0"/>
-              <a:t>6/7/2018</a:t>
+              <a:t>14/4/19</a:t>
             </a:fld>
             <a:endParaRPr lang="en-SG"/>
           </a:p>
@@ -2691,7 +2687,7 @@
           <a:p>
             <a:fld id="{03EC4E3E-8101-482F-A883-8B55DAFF7C07}" type="datetimeFigureOut">
               <a:rPr lang="en-SG" smtClean="0"/>
-              <a:t>6/7/2018</a:t>
+              <a:t>14/4/19</a:t>
             </a:fld>
             <a:endParaRPr lang="en-SG"/>
           </a:p>
@@ -2934,7 +2930,7 @@
           <a:p>
             <a:fld id="{03EC4E3E-8101-482F-A883-8B55DAFF7C07}" type="datetimeFigureOut">
               <a:rPr lang="en-SG" smtClean="0"/>
-              <a:t>6/7/2018</a:t>
+              <a:t>14/4/19</a:t>
             </a:fld>
             <a:endParaRPr lang="en-SG"/>
           </a:p>
@@ -3454,14 +3450,14 @@
           <p:nvPr>
             <p:extLst>
               <p:ext uri="{D42A27DB-BD31-4B8C-83A1-F6EECF244321}">
-                <p14:modId xmlns:p14="http://schemas.microsoft.com/office/powerpoint/2010/main" val="2776987765"/>
+                <p14:modId xmlns:p14="http://schemas.microsoft.com/office/powerpoint/2010/main" val="3575130130"/>
               </p:ext>
             </p:extLst>
           </p:nvPr>
         </p:nvGraphicFramePr>
         <p:xfrm>
           <a:off x="473240" y="1476102"/>
-          <a:ext cx="1825597" cy="417888"/>
+          <a:ext cx="1926000" cy="417888"/>
         </p:xfrm>
         <a:graphic>
           <a:graphicData uri="http://schemas.openxmlformats.org/drawingml/2006/table">
@@ -3470,7 +3466,7 @@
                 <a:tableStyleId>{638B1855-1B75-4FBE-930C-398BA8C253C6}</a:tableStyleId>
               </a:tblPr>
               <a:tblGrid>
-                <a:gridCol w="1825597">
+                <a:gridCol w="1926000">
                   <a:extLst>
                     <a:ext uri="{9D8B030D-6E8A-4147-A177-3AD203B41FA5}">
                       <a16:colId xmlns:a16="http://schemas.microsoft.com/office/drawing/2014/main" val="4240773277"/>
@@ -3486,11 +3482,7 @@
                     <a:p>
                       <a:r>
                         <a:rPr lang="en-SG" u="sng" dirty="0"/>
-                        <a:t>ab0:</a:t>
-                      </a:r>
-                      <a:r>
-                        <a:rPr lang="en-SG" sz="1800" u="sng" dirty="0"/>
-                        <a:t>AddressBook</a:t>
+                        <a:t>cc0:CardCollection</a:t>
                       </a:r>
                       <a:endParaRPr lang="en-SG" sz="1600" u="sng" dirty="0"/>
                     </a:p>
@@ -3658,14 +3650,14 @@
           <p:nvPr>
             <p:extLst>
               <p:ext uri="{D42A27DB-BD31-4B8C-83A1-F6EECF244321}">
-                <p14:modId xmlns:p14="http://schemas.microsoft.com/office/powerpoint/2010/main" val="1878903007"/>
+                <p14:modId xmlns:p14="http://schemas.microsoft.com/office/powerpoint/2010/main" val="455638969"/>
               </p:ext>
             </p:extLst>
           </p:nvPr>
         </p:nvGraphicFramePr>
         <p:xfrm>
-          <a:off x="4423446" y="1476102"/>
-          <a:ext cx="1825597" cy="417888"/>
+          <a:off x="4465486" y="1476102"/>
+          <a:ext cx="1926000" cy="417888"/>
         </p:xfrm>
         <a:graphic>
           <a:graphicData uri="http://schemas.openxmlformats.org/drawingml/2006/table">
@@ -3674,7 +3666,7 @@
                 <a:tableStyleId>{638B1855-1B75-4FBE-930C-398BA8C253C6}</a:tableStyleId>
               </a:tblPr>
               <a:tblGrid>
-                <a:gridCol w="1825597">
+                <a:gridCol w="1926000">
                   <a:extLst>
                     <a:ext uri="{9D8B030D-6E8A-4147-A177-3AD203B41FA5}">
                       <a16:colId xmlns:a16="http://schemas.microsoft.com/office/drawing/2014/main" val="4240773277"/>
@@ -3690,11 +3682,7 @@
                     <a:p>
                       <a:r>
                         <a:rPr lang="en-SG" u="sng" dirty="0"/>
-                        <a:t>ab2:</a:t>
-                      </a:r>
-                      <a:r>
-                        <a:rPr lang="en-SG" sz="1800" u="sng" dirty="0"/>
-                        <a:t>AddressBook</a:t>
+                        <a:t>cc2:CardCollection</a:t>
                       </a:r>
                       <a:endParaRPr lang="en-SG" sz="1600" u="sng" dirty="0"/>
                     </a:p>
@@ -3726,14 +3714,14 @@
           <p:nvPr>
             <p:extLst>
               <p:ext uri="{D42A27DB-BD31-4B8C-83A1-F6EECF244321}">
-                <p14:modId xmlns:p14="http://schemas.microsoft.com/office/powerpoint/2010/main" val="547626409"/>
+                <p14:modId xmlns:p14="http://schemas.microsoft.com/office/powerpoint/2010/main" val="393934666"/>
               </p:ext>
             </p:extLst>
           </p:nvPr>
         </p:nvGraphicFramePr>
         <p:xfrm>
-          <a:off x="2448342" y="1476102"/>
-          <a:ext cx="1825597" cy="417888"/>
+          <a:off x="2469362" y="1476102"/>
+          <a:ext cx="1926000" cy="417888"/>
         </p:xfrm>
         <a:graphic>
           <a:graphicData uri="http://schemas.openxmlformats.org/drawingml/2006/table">
@@ -3742,7 +3730,7 @@
                 <a:tableStyleId>{638B1855-1B75-4FBE-930C-398BA8C253C6}</a:tableStyleId>
               </a:tblPr>
               <a:tblGrid>
-                <a:gridCol w="1825597">
+                <a:gridCol w="1926000">
                   <a:extLst>
                     <a:ext uri="{9D8B030D-6E8A-4147-A177-3AD203B41FA5}">
                       <a16:colId xmlns:a16="http://schemas.microsoft.com/office/drawing/2014/main" val="4240773277"/>
@@ -3758,11 +3746,7 @@
                     <a:p>
                       <a:r>
                         <a:rPr lang="en-SG" u="sng" dirty="0"/>
-                        <a:t>ab1:</a:t>
-                      </a:r>
-                      <a:r>
-                        <a:rPr lang="en-SG" sz="1800" u="sng" dirty="0"/>
-                        <a:t>AddressBook</a:t>
+                        <a:t>cc1:CardCollection</a:t>
                       </a:r>
                       <a:endParaRPr lang="en-SG" sz="1600" u="sng" dirty="0"/>
                     </a:p>
@@ -3794,14 +3778,14 @@
           <p:nvPr>
             <p:extLst>
               <p:ext uri="{D42A27DB-BD31-4B8C-83A1-F6EECF244321}">
-                <p14:modId xmlns:p14="http://schemas.microsoft.com/office/powerpoint/2010/main" val="1824208515"/>
+                <p14:modId xmlns:p14="http://schemas.microsoft.com/office/powerpoint/2010/main" val="3176022748"/>
               </p:ext>
             </p:extLst>
           </p:nvPr>
         </p:nvGraphicFramePr>
         <p:xfrm>
           <a:off x="473239" y="3926589"/>
-          <a:ext cx="1825597" cy="417888"/>
+          <a:ext cx="1926000" cy="417888"/>
         </p:xfrm>
         <a:graphic>
           <a:graphicData uri="http://schemas.openxmlformats.org/drawingml/2006/table">
@@ -3810,7 +3794,7 @@
                 <a:tableStyleId>{638B1855-1B75-4FBE-930C-398BA8C253C6}</a:tableStyleId>
               </a:tblPr>
               <a:tblGrid>
-                <a:gridCol w="1825597">
+                <a:gridCol w="1926000">
                   <a:extLst>
                     <a:ext uri="{9D8B030D-6E8A-4147-A177-3AD203B41FA5}">
                       <a16:colId xmlns:a16="http://schemas.microsoft.com/office/drawing/2014/main" val="4240773277"/>
@@ -3826,11 +3810,7 @@
                     <a:p>
                       <a:r>
                         <a:rPr lang="en-SG" u="sng" dirty="0"/>
-                        <a:t>ab0:</a:t>
-                      </a:r>
-                      <a:r>
-                        <a:rPr lang="en-SG" sz="1800" u="sng" dirty="0"/>
-                        <a:t>AddressBook</a:t>
+                        <a:t>cc0:CardCollection</a:t>
                       </a:r>
                       <a:endParaRPr lang="en-SG" sz="1600" u="sng" dirty="0"/>
                     </a:p>
@@ -3862,14 +3842,14 @@
           <p:nvPr>
             <p:extLst>
               <p:ext uri="{D42A27DB-BD31-4B8C-83A1-F6EECF244321}">
-                <p14:modId xmlns:p14="http://schemas.microsoft.com/office/powerpoint/2010/main" val="1414922247"/>
+                <p14:modId xmlns:p14="http://schemas.microsoft.com/office/powerpoint/2010/main" val="3737730076"/>
               </p:ext>
             </p:extLst>
           </p:nvPr>
         </p:nvGraphicFramePr>
         <p:xfrm>
-          <a:off x="4423446" y="3926589"/>
-          <a:ext cx="1825597" cy="417888"/>
+          <a:off x="4475997" y="3926589"/>
+          <a:ext cx="1926000" cy="417888"/>
         </p:xfrm>
         <a:graphic>
           <a:graphicData uri="http://schemas.openxmlformats.org/drawingml/2006/table">
@@ -3878,7 +3858,7 @@
                 <a:tableStyleId>{638B1855-1B75-4FBE-930C-398BA8C253C6}</a:tableStyleId>
               </a:tblPr>
               <a:tblGrid>
-                <a:gridCol w="1825597">
+                <a:gridCol w="1926000">
                   <a:extLst>
                     <a:ext uri="{9D8B030D-6E8A-4147-A177-3AD203B41FA5}">
                       <a16:colId xmlns:a16="http://schemas.microsoft.com/office/drawing/2014/main" val="4240773277"/>
@@ -3894,11 +3874,7 @@
                     <a:p>
                       <a:r>
                         <a:rPr lang="en-SG" u="sng" dirty="0"/>
-                        <a:t>ab2:</a:t>
-                      </a:r>
-                      <a:r>
-                        <a:rPr lang="en-SG" sz="1800" u="sng" dirty="0"/>
-                        <a:t>AddressBook</a:t>
+                        <a:t>cc0:CardCollection</a:t>
                       </a:r>
                       <a:endParaRPr lang="en-SG" sz="1600" u="sng" dirty="0"/>
                     </a:p>
@@ -3930,14 +3906,14 @@
           <p:nvPr>
             <p:extLst>
               <p:ext uri="{D42A27DB-BD31-4B8C-83A1-F6EECF244321}">
-                <p14:modId xmlns:p14="http://schemas.microsoft.com/office/powerpoint/2010/main" val="1703544754"/>
+                <p14:modId xmlns:p14="http://schemas.microsoft.com/office/powerpoint/2010/main" val="1235691092"/>
               </p:ext>
             </p:extLst>
           </p:nvPr>
         </p:nvGraphicFramePr>
         <p:xfrm>
-          <a:off x="2448343" y="3926589"/>
-          <a:ext cx="1825597" cy="417888"/>
+          <a:off x="2469363" y="3926589"/>
+          <a:ext cx="1926000" cy="417888"/>
         </p:xfrm>
         <a:graphic>
           <a:graphicData uri="http://schemas.openxmlformats.org/drawingml/2006/table">
@@ -3946,7 +3922,7 @@
                 <a:tableStyleId>{638B1855-1B75-4FBE-930C-398BA8C253C6}</a:tableStyleId>
               </a:tblPr>
               <a:tblGrid>
-                <a:gridCol w="1825597">
+                <a:gridCol w="1926000">
                   <a:extLst>
                     <a:ext uri="{9D8B030D-6E8A-4147-A177-3AD203B41FA5}">
                       <a16:colId xmlns:a16="http://schemas.microsoft.com/office/drawing/2014/main" val="4240773277"/>
@@ -3962,11 +3938,7 @@
                     <a:p>
                       <a:r>
                         <a:rPr lang="en-SG" u="sng" dirty="0"/>
-                        <a:t>ab1:</a:t>
-                      </a:r>
-                      <a:r>
-                        <a:rPr lang="en-SG" sz="1800" u="sng" dirty="0"/>
-                        <a:t>AddressBook</a:t>
+                        <a:t>cc0:CardCollection</a:t>
                       </a:r>
                       <a:endParaRPr lang="en-SG" sz="1600" u="sng" dirty="0"/>
                     </a:p>

--- a/docs/diagrams/UndoRedoNewCommand3StateListDiagram.pptx
+++ b/docs/diagrams/UndoRedoNewCommand3StateListDiagram.pptx
@@ -261,7 +261,7 @@
           <a:p>
             <a:fld id="{03EC4E3E-8101-482F-A883-8B55DAFF7C07}" type="datetimeFigureOut">
               <a:rPr lang="en-SG" smtClean="0"/>
-              <a:t>14/4/19</a:t>
+              <a:t>15/4/19</a:t>
             </a:fld>
             <a:endParaRPr lang="en-SG"/>
           </a:p>
@@ -461,7 +461,7 @@
           <a:p>
             <a:fld id="{03EC4E3E-8101-482F-A883-8B55DAFF7C07}" type="datetimeFigureOut">
               <a:rPr lang="en-SG" smtClean="0"/>
-              <a:t>14/4/19</a:t>
+              <a:t>15/4/19</a:t>
             </a:fld>
             <a:endParaRPr lang="en-SG"/>
           </a:p>
@@ -671,7 +671,7 @@
           <a:p>
             <a:fld id="{03EC4E3E-8101-482F-A883-8B55DAFF7C07}" type="datetimeFigureOut">
               <a:rPr lang="en-SG" smtClean="0"/>
-              <a:t>14/4/19</a:t>
+              <a:t>15/4/19</a:t>
             </a:fld>
             <a:endParaRPr lang="en-SG"/>
           </a:p>
@@ -871,7 +871,7 @@
           <a:p>
             <a:fld id="{03EC4E3E-8101-482F-A883-8B55DAFF7C07}" type="datetimeFigureOut">
               <a:rPr lang="en-SG" smtClean="0"/>
-              <a:t>14/4/19</a:t>
+              <a:t>15/4/19</a:t>
             </a:fld>
             <a:endParaRPr lang="en-SG"/>
           </a:p>
@@ -1147,7 +1147,7 @@
           <a:p>
             <a:fld id="{03EC4E3E-8101-482F-A883-8B55DAFF7C07}" type="datetimeFigureOut">
               <a:rPr lang="en-SG" smtClean="0"/>
-              <a:t>14/4/19</a:t>
+              <a:t>15/4/19</a:t>
             </a:fld>
             <a:endParaRPr lang="en-SG"/>
           </a:p>
@@ -1415,7 +1415,7 @@
           <a:p>
             <a:fld id="{03EC4E3E-8101-482F-A883-8B55DAFF7C07}" type="datetimeFigureOut">
               <a:rPr lang="en-SG" smtClean="0"/>
-              <a:t>14/4/19</a:t>
+              <a:t>15/4/19</a:t>
             </a:fld>
             <a:endParaRPr lang="en-SG"/>
           </a:p>
@@ -1830,7 +1830,7 @@
           <a:p>
             <a:fld id="{03EC4E3E-8101-482F-A883-8B55DAFF7C07}" type="datetimeFigureOut">
               <a:rPr lang="en-SG" smtClean="0"/>
-              <a:t>14/4/19</a:t>
+              <a:t>15/4/19</a:t>
             </a:fld>
             <a:endParaRPr lang="en-SG"/>
           </a:p>
@@ -1972,7 +1972,7 @@
           <a:p>
             <a:fld id="{03EC4E3E-8101-482F-A883-8B55DAFF7C07}" type="datetimeFigureOut">
               <a:rPr lang="en-SG" smtClean="0"/>
-              <a:t>14/4/19</a:t>
+              <a:t>15/4/19</a:t>
             </a:fld>
             <a:endParaRPr lang="en-SG"/>
           </a:p>
@@ -2085,7 +2085,7 @@
           <a:p>
             <a:fld id="{03EC4E3E-8101-482F-A883-8B55DAFF7C07}" type="datetimeFigureOut">
               <a:rPr lang="en-SG" smtClean="0"/>
-              <a:t>14/4/19</a:t>
+              <a:t>15/4/19</a:t>
             </a:fld>
             <a:endParaRPr lang="en-SG"/>
           </a:p>
@@ -2398,7 +2398,7 @@
           <a:p>
             <a:fld id="{03EC4E3E-8101-482F-A883-8B55DAFF7C07}" type="datetimeFigureOut">
               <a:rPr lang="en-SG" smtClean="0"/>
-              <a:t>14/4/19</a:t>
+              <a:t>15/4/19</a:t>
             </a:fld>
             <a:endParaRPr lang="en-SG"/>
           </a:p>
@@ -2687,7 +2687,7 @@
           <a:p>
             <a:fld id="{03EC4E3E-8101-482F-A883-8B55DAFF7C07}" type="datetimeFigureOut">
               <a:rPr lang="en-SG" smtClean="0"/>
-              <a:t>14/4/19</a:t>
+              <a:t>15/4/19</a:t>
             </a:fld>
             <a:endParaRPr lang="en-SG"/>
           </a:p>
@@ -2930,7 +2930,7 @@
           <a:p>
             <a:fld id="{03EC4E3E-8101-482F-A883-8B55DAFF7C07}" type="datetimeFigureOut">
               <a:rPr lang="en-SG" smtClean="0"/>
-              <a:t>14/4/19</a:t>
+              <a:t>15/4/19</a:t>
             </a:fld>
             <a:endParaRPr lang="en-SG"/>
           </a:p>
@@ -3349,14 +3349,20 @@
       </p:grpSpPr>
       <p:sp>
         <p:nvSpPr>
-          <p:cNvPr id="50" name="Down Arrow 49"/>
+          <p:cNvPr id="23" name="Down Arrow 22">
+            <a:extLst>
+              <a:ext uri="{FF2B5EF4-FFF2-40B4-BE49-F238E27FC236}">
+                <a16:creationId xmlns:a16="http://schemas.microsoft.com/office/drawing/2014/main" id="{6B178FD4-16B3-8B4F-9CBA-DBBB596A25C2}"/>
+              </a:ext>
+            </a:extLst>
+          </p:cNvPr>
           <p:cNvSpPr/>
           <p:nvPr/>
         </p:nvSpPr>
         <p:spPr>
           <a:xfrm>
-            <a:off x="5194316" y="2149099"/>
-            <a:ext cx="1330472" cy="1562676"/>
+            <a:off x="7512000" y="2116184"/>
+            <a:ext cx="1335908" cy="1558834"/>
           </a:xfrm>
           <a:prstGeom prst="downArrow">
             <a:avLst/>
@@ -3385,7 +3391,7 @@
             <a:pPr algn="ctr"/>
             <a:r>
               <a:rPr lang="en-SG" dirty="0"/>
-              <a:t>list</a:t>
+              <a:t>list </a:t>
             </a:r>
             <a:endParaRPr lang="en-US" dirty="0"/>
           </a:p>
@@ -3393,10 +3399,10 @@
       </p:sp>
       <p:sp>
         <p:nvSpPr>
-          <p:cNvPr id="16" name="TextBox 15">
-            <a:extLst>
-              <a:ext uri="{FF2B5EF4-FFF2-40B4-BE49-F238E27FC236}">
-                <a16:creationId xmlns:a16="http://schemas.microsoft.com/office/drawing/2014/main" id="{3151A13B-9509-43FA-BFEB-1D9866A00B84}"/>
+          <p:cNvPr id="25" name="TextBox 24">
+            <a:extLst>
+              <a:ext uri="{FF2B5EF4-FFF2-40B4-BE49-F238E27FC236}">
+                <a16:creationId xmlns:a16="http://schemas.microsoft.com/office/drawing/2014/main" id="{0F42E03D-E64F-3F4A-ABBD-C13773BCCE10}"/>
               </a:ext>
             </a:extLst>
           </p:cNvPr>
@@ -3405,7 +3411,7 @@
         </p:nvSpPr>
         <p:spPr>
           <a:xfrm>
-            <a:off x="1844917" y="2745771"/>
+            <a:off x="1875766" y="2715447"/>
             <a:ext cx="3207000" cy="369332"/>
           </a:xfrm>
           <a:prstGeom prst="rect">
@@ -3430,127 +3436,61 @@
               <a:rPr lang="en-SG" dirty="0">
                 <a:latin typeface="Consolas" panose="020B0609020204030204" pitchFamily="49" charset="0"/>
               </a:rPr>
-              <a:t> = 1</a:t>
-            </a:r>
-          </a:p>
-        </p:txBody>
-      </p:sp>
-      <p:graphicFrame>
-        <p:nvGraphicFramePr>
-          <p:cNvPr id="17" name="Table 16">
-            <a:extLst>
-              <a:ext uri="{FF2B5EF4-FFF2-40B4-BE49-F238E27FC236}">
-                <a16:creationId xmlns:a16="http://schemas.microsoft.com/office/drawing/2014/main" id="{F545FAB8-F1CE-4886-9BDE-E772BCB0A9C4}"/>
-              </a:ext>
-            </a:extLst>
-          </p:cNvPr>
-          <p:cNvGraphicFramePr>
-            <a:graphicFrameLocks noGrp="1"/>
-          </p:cNvGraphicFramePr>
-          <p:nvPr>
-            <p:extLst>
-              <p:ext uri="{D42A27DB-BD31-4B8C-83A1-F6EECF244321}">
-                <p14:modId xmlns:p14="http://schemas.microsoft.com/office/powerpoint/2010/main" val="3575130130"/>
-              </p:ext>
-            </p:extLst>
-          </p:nvPr>
-        </p:nvGraphicFramePr>
-        <p:xfrm>
-          <a:off x="473240" y="1476102"/>
-          <a:ext cx="1926000" cy="417888"/>
-        </p:xfrm>
-        <a:graphic>
-          <a:graphicData uri="http://schemas.openxmlformats.org/drawingml/2006/table">
-            <a:tbl>
-              <a:tblPr>
-                <a:tableStyleId>{638B1855-1B75-4FBE-930C-398BA8C253C6}</a:tableStyleId>
-              </a:tblPr>
-              <a:tblGrid>
-                <a:gridCol w="1926000">
-                  <a:extLst>
-                    <a:ext uri="{9D8B030D-6E8A-4147-A177-3AD203B41FA5}">
-                      <a16:colId xmlns:a16="http://schemas.microsoft.com/office/drawing/2014/main" val="4240773277"/>
-                    </a:ext>
-                  </a:extLst>
-                </a:gridCol>
-              </a:tblGrid>
-              <a:tr h="417888">
-                <a:tc>
-                  <a:txBody>
-                    <a:bodyPr/>
-                    <a:lstStyle/>
-                    <a:p>
-                      <a:r>
-                        <a:rPr lang="en-SG" u="sng" dirty="0"/>
-                        <a:t>cc0:CardCollection</a:t>
-                      </a:r>
-                      <a:endParaRPr lang="en-SG" sz="1600" u="sng" dirty="0"/>
-                    </a:p>
-                  </a:txBody>
-                  <a:tcPr/>
-                </a:tc>
-                <a:extLst>
-                  <a:ext uri="{0D108BD9-81ED-4DB2-BD59-A6C34878D82A}">
-                    <a16:rowId xmlns:a16="http://schemas.microsoft.com/office/drawing/2014/main" val="2194462629"/>
-                  </a:ext>
-                </a:extLst>
-              </a:tr>
-            </a:tbl>
-          </a:graphicData>
-        </a:graphic>
-      </p:graphicFrame>
-      <p:sp>
-        <p:nvSpPr>
-          <p:cNvPr id="20" name="Rectangle 19"/>
-          <p:cNvSpPr/>
+              <a:t> = 2</a:t>
+            </a:r>
+          </a:p>
+        </p:txBody>
+      </p:sp>
+      <p:cxnSp>
+        <p:nvCxnSpPr>
+          <p:cNvPr id="26" name="Straight Arrow Connector 25">
+            <a:extLst>
+              <a:ext uri="{FF2B5EF4-FFF2-40B4-BE49-F238E27FC236}">
+                <a16:creationId xmlns:a16="http://schemas.microsoft.com/office/drawing/2014/main" id="{16BBA320-49DC-5749-A842-B705D87574B0}"/>
+              </a:ext>
+            </a:extLst>
+          </p:cNvPr>
+          <p:cNvCxnSpPr>
+            <a:cxnSpLocks/>
+          </p:cNvCxnSpPr>
           <p:nvPr/>
-        </p:nvSpPr>
+        </p:nvCxnSpPr>
         <p:spPr>
-          <a:xfrm>
-            <a:off x="364797" y="1375953"/>
-            <a:ext cx="11364686" cy="618187"/>
+          <a:xfrm flipV="1">
+            <a:off x="3335149" y="2008574"/>
+            <a:ext cx="0" cy="706873"/>
           </a:xfrm>
-          <a:prstGeom prst="rect">
+          <a:prstGeom prst="straightConnector1">
             <a:avLst/>
           </a:prstGeom>
-          <a:noFill/>
           <a:ln>
             <a:solidFill>
-              <a:schemeClr val="tx1"/>
+              <a:srgbClr val="C00000"/>
             </a:solidFill>
+            <a:tailEnd type="triangle"/>
           </a:ln>
         </p:spPr>
         <p:style>
-          <a:lnRef idx="2">
-            <a:schemeClr val="accent1">
-              <a:shade val="50000"/>
-            </a:schemeClr>
+          <a:lnRef idx="1">
+            <a:schemeClr val="accent1"/>
           </a:lnRef>
-          <a:fillRef idx="1">
+          <a:fillRef idx="0">
             <a:schemeClr val="accent1"/>
           </a:fillRef>
           <a:effectRef idx="0">
             <a:schemeClr val="accent1"/>
           </a:effectRef>
           <a:fontRef idx="minor">
-            <a:schemeClr val="lt1"/>
+            <a:schemeClr val="tx1"/>
           </a:fontRef>
         </p:style>
-        <p:txBody>
-          <a:bodyPr rtlCol="0" anchor="ctr"/>
-          <a:lstStyle/>
-          <a:p>
-            <a:pPr algn="ctr"/>
-            <a:endParaRPr lang="en-US"/>
-          </a:p>
-        </p:txBody>
-      </p:sp>
-      <p:sp>
-        <p:nvSpPr>
-          <p:cNvPr id="21" name="TextBox 20">
-            <a:extLst>
-              <a:ext uri="{FF2B5EF4-FFF2-40B4-BE49-F238E27FC236}">
-                <a16:creationId xmlns:a16="http://schemas.microsoft.com/office/drawing/2014/main" id="{3151A13B-9509-43FA-BFEB-1D9866A00B84}"/>
+      </p:cxnSp>
+      <p:sp>
+        <p:nvSpPr>
+          <p:cNvPr id="27" name="TextBox 26">
+            <a:extLst>
+              <a:ext uri="{FF2B5EF4-FFF2-40B4-BE49-F238E27FC236}">
+                <a16:creationId xmlns:a16="http://schemas.microsoft.com/office/drawing/2014/main" id="{100A2EF1-D1D7-B343-8B60-45185583ECEA}"/>
               </a:ext>
             </a:extLst>
           </p:cNvPr>
@@ -3559,7 +3499,7 @@
         </p:nvSpPr>
         <p:spPr>
           <a:xfrm>
-            <a:off x="1844917" y="5180749"/>
+            <a:off x="1875766" y="5914907"/>
             <a:ext cx="3207000" cy="369332"/>
           </a:xfrm>
           <a:prstGeom prst="rect">
@@ -3591,13 +3531,19 @@
       </p:sp>
       <p:sp>
         <p:nvSpPr>
-          <p:cNvPr id="24" name="Rectangle 23"/>
+          <p:cNvPr id="32" name="Rectangle 31">
+            <a:extLst>
+              <a:ext uri="{FF2B5EF4-FFF2-40B4-BE49-F238E27FC236}">
+                <a16:creationId xmlns:a16="http://schemas.microsoft.com/office/drawing/2014/main" id="{EEFF5BE5-8DDA-5743-A362-905864369D61}"/>
+              </a:ext>
+            </a:extLst>
+          </p:cNvPr>
           <p:cNvSpPr/>
           <p:nvPr/>
         </p:nvSpPr>
         <p:spPr>
           <a:xfrm>
-            <a:off x="387404" y="3838574"/>
+            <a:off x="387404" y="4630307"/>
             <a:ext cx="11364686" cy="593918"/>
           </a:xfrm>
           <a:prstGeom prst="rect">
@@ -3637,10 +3583,10 @@
       </p:sp>
       <p:graphicFrame>
         <p:nvGraphicFramePr>
-          <p:cNvPr id="15" name="Table 14">
-            <a:extLst>
-              <a:ext uri="{FF2B5EF4-FFF2-40B4-BE49-F238E27FC236}">
-                <a16:creationId xmlns:a16="http://schemas.microsoft.com/office/drawing/2014/main" id="{F545FAB8-F1CE-4886-9BDE-E772BCB0A9C4}"/>
+          <p:cNvPr id="33" name="Table 32">
+            <a:extLst>
+              <a:ext uri="{FF2B5EF4-FFF2-40B4-BE49-F238E27FC236}">
+                <a16:creationId xmlns:a16="http://schemas.microsoft.com/office/drawing/2014/main" id="{F423B992-4C6A-ED47-91EE-51B7C38E4A3A}"/>
               </a:ext>
             </a:extLst>
           </p:cNvPr>
@@ -3650,13 +3596,13 @@
           <p:nvPr>
             <p:extLst>
               <p:ext uri="{D42A27DB-BD31-4B8C-83A1-F6EECF244321}">
-                <p14:modId xmlns:p14="http://schemas.microsoft.com/office/powerpoint/2010/main" val="455638969"/>
+                <p14:modId xmlns:p14="http://schemas.microsoft.com/office/powerpoint/2010/main" val="419951442"/>
               </p:ext>
             </p:extLst>
           </p:nvPr>
         </p:nvGraphicFramePr>
         <p:xfrm>
-          <a:off x="4465486" y="1476102"/>
+          <a:off x="4551264" y="4718322"/>
           <a:ext cx="1926000" cy="417888"/>
         </p:xfrm>
         <a:graphic>
@@ -3701,10 +3647,10 @@
       </p:graphicFrame>
       <p:graphicFrame>
         <p:nvGraphicFramePr>
-          <p:cNvPr id="28" name="Table 27">
-            <a:extLst>
-              <a:ext uri="{FF2B5EF4-FFF2-40B4-BE49-F238E27FC236}">
-                <a16:creationId xmlns:a16="http://schemas.microsoft.com/office/drawing/2014/main" id="{F545FAB8-F1CE-4886-9BDE-E772BCB0A9C4}"/>
+          <p:cNvPr id="34" name="Table 33">
+            <a:extLst>
+              <a:ext uri="{FF2B5EF4-FFF2-40B4-BE49-F238E27FC236}">
+                <a16:creationId xmlns:a16="http://schemas.microsoft.com/office/drawing/2014/main" id="{ECBD1F9B-724B-7A48-B6D5-C065E22006AE}"/>
               </a:ext>
             </a:extLst>
           </p:cNvPr>
@@ -3714,13 +3660,13 @@
           <p:nvPr>
             <p:extLst>
               <p:ext uri="{D42A27DB-BD31-4B8C-83A1-F6EECF244321}">
-                <p14:modId xmlns:p14="http://schemas.microsoft.com/office/powerpoint/2010/main" val="393934666"/>
+                <p14:modId xmlns:p14="http://schemas.microsoft.com/office/powerpoint/2010/main" val="669307799"/>
               </p:ext>
             </p:extLst>
           </p:nvPr>
         </p:nvGraphicFramePr>
         <p:xfrm>
-          <a:off x="2469362" y="1476102"/>
+          <a:off x="2512252" y="4700183"/>
           <a:ext cx="1926000" cy="417888"/>
         </p:xfrm>
         <a:graphic>
@@ -3765,10 +3711,10 @@
       </p:graphicFrame>
       <p:graphicFrame>
         <p:nvGraphicFramePr>
-          <p:cNvPr id="29" name="Table 28">
-            <a:extLst>
-              <a:ext uri="{FF2B5EF4-FFF2-40B4-BE49-F238E27FC236}">
-                <a16:creationId xmlns:a16="http://schemas.microsoft.com/office/drawing/2014/main" id="{F545FAB8-F1CE-4886-9BDE-E772BCB0A9C4}"/>
+          <p:cNvPr id="35" name="Table 34">
+            <a:extLst>
+              <a:ext uri="{FF2B5EF4-FFF2-40B4-BE49-F238E27FC236}">
+                <a16:creationId xmlns:a16="http://schemas.microsoft.com/office/drawing/2014/main" id="{317DA33E-A576-C54A-8F46-E36E6A8E0EE2}"/>
               </a:ext>
             </a:extLst>
           </p:cNvPr>
@@ -3778,141 +3724,13 @@
           <p:nvPr>
             <p:extLst>
               <p:ext uri="{D42A27DB-BD31-4B8C-83A1-F6EECF244321}">
-                <p14:modId xmlns:p14="http://schemas.microsoft.com/office/powerpoint/2010/main" val="3176022748"/>
+                <p14:modId xmlns:p14="http://schemas.microsoft.com/office/powerpoint/2010/main" val="2258472708"/>
               </p:ext>
             </p:extLst>
           </p:nvPr>
         </p:nvGraphicFramePr>
         <p:xfrm>
-          <a:off x="473239" y="3926589"/>
-          <a:ext cx="1926000" cy="417888"/>
-        </p:xfrm>
-        <a:graphic>
-          <a:graphicData uri="http://schemas.openxmlformats.org/drawingml/2006/table">
-            <a:tbl>
-              <a:tblPr>
-                <a:tableStyleId>{638B1855-1B75-4FBE-930C-398BA8C253C6}</a:tableStyleId>
-              </a:tblPr>
-              <a:tblGrid>
-                <a:gridCol w="1926000">
-                  <a:extLst>
-                    <a:ext uri="{9D8B030D-6E8A-4147-A177-3AD203B41FA5}">
-                      <a16:colId xmlns:a16="http://schemas.microsoft.com/office/drawing/2014/main" val="4240773277"/>
-                    </a:ext>
-                  </a:extLst>
-                </a:gridCol>
-              </a:tblGrid>
-              <a:tr h="417888">
-                <a:tc>
-                  <a:txBody>
-                    <a:bodyPr/>
-                    <a:lstStyle/>
-                    <a:p>
-                      <a:r>
-                        <a:rPr lang="en-SG" u="sng" dirty="0"/>
-                        <a:t>cc0:CardCollection</a:t>
-                      </a:r>
-                      <a:endParaRPr lang="en-SG" sz="1600" u="sng" dirty="0"/>
-                    </a:p>
-                  </a:txBody>
-                  <a:tcPr/>
-                </a:tc>
-                <a:extLst>
-                  <a:ext uri="{0D108BD9-81ED-4DB2-BD59-A6C34878D82A}">
-                    <a16:rowId xmlns:a16="http://schemas.microsoft.com/office/drawing/2014/main" val="2194462629"/>
-                  </a:ext>
-                </a:extLst>
-              </a:tr>
-            </a:tbl>
-          </a:graphicData>
-        </a:graphic>
-      </p:graphicFrame>
-      <p:graphicFrame>
-        <p:nvGraphicFramePr>
-          <p:cNvPr id="30" name="Table 29">
-            <a:extLst>
-              <a:ext uri="{FF2B5EF4-FFF2-40B4-BE49-F238E27FC236}">
-                <a16:creationId xmlns:a16="http://schemas.microsoft.com/office/drawing/2014/main" id="{F545FAB8-F1CE-4886-9BDE-E772BCB0A9C4}"/>
-              </a:ext>
-            </a:extLst>
-          </p:cNvPr>
-          <p:cNvGraphicFramePr>
-            <a:graphicFrameLocks noGrp="1"/>
-          </p:cNvGraphicFramePr>
-          <p:nvPr>
-            <p:extLst>
-              <p:ext uri="{D42A27DB-BD31-4B8C-83A1-F6EECF244321}">
-                <p14:modId xmlns:p14="http://schemas.microsoft.com/office/powerpoint/2010/main" val="3737730076"/>
-              </p:ext>
-            </p:extLst>
-          </p:nvPr>
-        </p:nvGraphicFramePr>
-        <p:xfrm>
-          <a:off x="4475997" y="3926589"/>
-          <a:ext cx="1926000" cy="417888"/>
-        </p:xfrm>
-        <a:graphic>
-          <a:graphicData uri="http://schemas.openxmlformats.org/drawingml/2006/table">
-            <a:tbl>
-              <a:tblPr>
-                <a:tableStyleId>{638B1855-1B75-4FBE-930C-398BA8C253C6}</a:tableStyleId>
-              </a:tblPr>
-              <a:tblGrid>
-                <a:gridCol w="1926000">
-                  <a:extLst>
-                    <a:ext uri="{9D8B030D-6E8A-4147-A177-3AD203B41FA5}">
-                      <a16:colId xmlns:a16="http://schemas.microsoft.com/office/drawing/2014/main" val="4240773277"/>
-                    </a:ext>
-                  </a:extLst>
-                </a:gridCol>
-              </a:tblGrid>
-              <a:tr h="417888">
-                <a:tc>
-                  <a:txBody>
-                    <a:bodyPr/>
-                    <a:lstStyle/>
-                    <a:p>
-                      <a:r>
-                        <a:rPr lang="en-SG" u="sng" dirty="0"/>
-                        <a:t>cc0:CardCollection</a:t>
-                      </a:r>
-                      <a:endParaRPr lang="en-SG" sz="1600" u="sng" dirty="0"/>
-                    </a:p>
-                  </a:txBody>
-                  <a:tcPr/>
-                </a:tc>
-                <a:extLst>
-                  <a:ext uri="{0D108BD9-81ED-4DB2-BD59-A6C34878D82A}">
-                    <a16:rowId xmlns:a16="http://schemas.microsoft.com/office/drawing/2014/main" val="2194462629"/>
-                  </a:ext>
-                </a:extLst>
-              </a:tr>
-            </a:tbl>
-          </a:graphicData>
-        </a:graphic>
-      </p:graphicFrame>
-      <p:graphicFrame>
-        <p:nvGraphicFramePr>
-          <p:cNvPr id="31" name="Table 30">
-            <a:extLst>
-              <a:ext uri="{FF2B5EF4-FFF2-40B4-BE49-F238E27FC236}">
-                <a16:creationId xmlns:a16="http://schemas.microsoft.com/office/drawing/2014/main" id="{F545FAB8-F1CE-4886-9BDE-E772BCB0A9C4}"/>
-              </a:ext>
-            </a:extLst>
-          </p:cNvPr>
-          <p:cNvGraphicFramePr>
-            <a:graphicFrameLocks noGrp="1"/>
-          </p:cNvGraphicFramePr>
-          <p:nvPr>
-            <p:extLst>
-              <p:ext uri="{D42A27DB-BD31-4B8C-83A1-F6EECF244321}">
-                <p14:modId xmlns:p14="http://schemas.microsoft.com/office/powerpoint/2010/main" val="1235691092"/>
-              </p:ext>
-            </p:extLst>
-          </p:nvPr>
-        </p:nvGraphicFramePr>
-        <p:xfrm>
-          <a:off x="2469363" y="3926589"/>
+          <a:off x="473240" y="4700183"/>
           <a:ext cx="1926000" cy="417888"/>
         </p:xfrm>
         <a:graphic>
@@ -3957,10 +3775,10 @@
       </p:graphicFrame>
       <p:cxnSp>
         <p:nvCxnSpPr>
-          <p:cNvPr id="18" name="Straight Arrow Connector 17">
-            <a:extLst>
-              <a:ext uri="{FF2B5EF4-FFF2-40B4-BE49-F238E27FC236}">
-                <a16:creationId xmlns:a16="http://schemas.microsoft.com/office/drawing/2014/main" id="{2C7E497F-B97D-46E2-8C9C-D52263C33E33}"/>
+          <p:cNvPr id="36" name="Straight Arrow Connector 35">
+            <a:extLst>
+              <a:ext uri="{FF2B5EF4-FFF2-40B4-BE49-F238E27FC236}">
+                <a16:creationId xmlns:a16="http://schemas.microsoft.com/office/drawing/2014/main" id="{5CAD5C47-20F1-5A4E-8603-B7E3E0CE600A}"/>
               </a:ext>
             </a:extLst>
           </p:cNvPr>
@@ -3971,7 +3789,7 @@
         </p:nvCxnSpPr>
         <p:spPr>
           <a:xfrm flipV="1">
-            <a:off x="3338818" y="2038898"/>
+            <a:off x="3489776" y="5224225"/>
             <a:ext cx="0" cy="706873"/>
           </a:xfrm>
           <a:prstGeom prst="straightConnector1">
@@ -3999,50 +3817,786 @@
           </a:fontRef>
         </p:style>
       </p:cxnSp>
-      <p:cxnSp>
-        <p:nvCxnSpPr>
-          <p:cNvPr id="22" name="Straight Arrow Connector 21">
-            <a:extLst>
-              <a:ext uri="{FF2B5EF4-FFF2-40B4-BE49-F238E27FC236}">
-                <a16:creationId xmlns:a16="http://schemas.microsoft.com/office/drawing/2014/main" id="{D9B8CDF7-0D47-4F21-BF2D-957E827A9877}"/>
-              </a:ext>
-            </a:extLst>
-          </p:cNvPr>
-          <p:cNvCxnSpPr>
-            <a:cxnSpLocks/>
-          </p:cNvCxnSpPr>
+      <p:sp>
+        <p:nvSpPr>
+          <p:cNvPr id="37" name="Rectangle 36">
+            <a:extLst>
+              <a:ext uri="{FF2B5EF4-FFF2-40B4-BE49-F238E27FC236}">
+                <a16:creationId xmlns:a16="http://schemas.microsoft.com/office/drawing/2014/main" id="{FF79B0F5-9DE9-F44D-932C-2B2B59CF910E}"/>
+              </a:ext>
+            </a:extLst>
+          </p:cNvPr>
+          <p:cNvSpPr/>
           <p:nvPr/>
-        </p:nvCxnSpPr>
+        </p:nvSpPr>
         <p:spPr>
-          <a:xfrm flipV="1">
-            <a:off x="3302417" y="4496762"/>
-            <a:ext cx="0" cy="706873"/>
+          <a:xfrm>
+            <a:off x="387404" y="3811856"/>
+            <a:ext cx="11364686" cy="618187"/>
           </a:xfrm>
-          <a:prstGeom prst="straightConnector1">
+          <a:prstGeom prst="rect">
             <a:avLst/>
           </a:prstGeom>
+          <a:noFill/>
           <a:ln>
             <a:solidFill>
-              <a:srgbClr val="C00000"/>
+              <a:schemeClr val="tx1"/>
             </a:solidFill>
-            <a:tailEnd type="triangle"/>
           </a:ln>
         </p:spPr>
         <p:style>
-          <a:lnRef idx="1">
-            <a:schemeClr val="accent1"/>
+          <a:lnRef idx="2">
+            <a:schemeClr val="accent1">
+              <a:shade val="50000"/>
+            </a:schemeClr>
           </a:lnRef>
-          <a:fillRef idx="0">
+          <a:fillRef idx="1">
             <a:schemeClr val="accent1"/>
           </a:fillRef>
           <a:effectRef idx="0">
             <a:schemeClr val="accent1"/>
           </a:effectRef>
           <a:fontRef idx="minor">
-            <a:schemeClr val="tx1"/>
+            <a:schemeClr val="lt1"/>
           </a:fontRef>
         </p:style>
-      </p:cxnSp>
+        <p:txBody>
+          <a:bodyPr rtlCol="0" anchor="ctr"/>
+          <a:lstStyle/>
+          <a:p>
+            <a:pPr algn="ctr"/>
+            <a:endParaRPr lang="en-US"/>
+          </a:p>
+        </p:txBody>
+      </p:sp>
+      <p:graphicFrame>
+        <p:nvGraphicFramePr>
+          <p:cNvPr id="38" name="Table 37">
+            <a:extLst>
+              <a:ext uri="{FF2B5EF4-FFF2-40B4-BE49-F238E27FC236}">
+                <a16:creationId xmlns:a16="http://schemas.microsoft.com/office/drawing/2014/main" id="{04CA7F16-407A-F946-8BBA-D21A594F5719}"/>
+              </a:ext>
+            </a:extLst>
+          </p:cNvPr>
+          <p:cNvGraphicFramePr>
+            <a:graphicFrameLocks noGrp="1"/>
+          </p:cNvGraphicFramePr>
+          <p:nvPr>
+            <p:extLst>
+              <p:ext uri="{D42A27DB-BD31-4B8C-83A1-F6EECF244321}">
+                <p14:modId xmlns:p14="http://schemas.microsoft.com/office/powerpoint/2010/main" val="3323171871"/>
+              </p:ext>
+            </p:extLst>
+          </p:nvPr>
+        </p:nvGraphicFramePr>
+        <p:xfrm>
+          <a:off x="2530836" y="3907975"/>
+          <a:ext cx="1907416" cy="410363"/>
+        </p:xfrm>
+        <a:graphic>
+          <a:graphicData uri="http://schemas.openxmlformats.org/drawingml/2006/table">
+            <a:tbl>
+              <a:tblPr>
+                <a:tableStyleId>{638B1855-1B75-4FBE-930C-398BA8C253C6}</a:tableStyleId>
+              </a:tblPr>
+              <a:tblGrid>
+                <a:gridCol w="1907416">
+                  <a:extLst>
+                    <a:ext uri="{9D8B030D-6E8A-4147-A177-3AD203B41FA5}">
+                      <a16:colId xmlns:a16="http://schemas.microsoft.com/office/drawing/2014/main" val="4240773277"/>
+                    </a:ext>
+                  </a:extLst>
+                </a:gridCol>
+              </a:tblGrid>
+              <a:tr h="410363">
+                <a:tc>
+                  <a:txBody>
+                    <a:bodyPr/>
+                    <a:lstStyle/>
+                    <a:p>
+                      <a:pPr algn="ctr"/>
+                      <a:r>
+                        <a:rPr lang="en-SG" u="sng" dirty="0"/>
+                        <a:t>ch1:String</a:t>
+                      </a:r>
+                      <a:endParaRPr lang="en-SG" sz="1600" u="sng" dirty="0"/>
+                    </a:p>
+                  </a:txBody>
+                  <a:tcPr>
+                    <a:solidFill>
+                      <a:schemeClr val="accent5">
+                        <a:lumMod val="60000"/>
+                        <a:lumOff val="40000"/>
+                      </a:schemeClr>
+                    </a:solidFill>
+                  </a:tcPr>
+                </a:tc>
+                <a:extLst>
+                  <a:ext uri="{0D108BD9-81ED-4DB2-BD59-A6C34878D82A}">
+                    <a16:rowId xmlns:a16="http://schemas.microsoft.com/office/drawing/2014/main" val="2194462629"/>
+                  </a:ext>
+                </a:extLst>
+              </a:tr>
+            </a:tbl>
+          </a:graphicData>
+        </a:graphic>
+      </p:graphicFrame>
+      <p:graphicFrame>
+        <p:nvGraphicFramePr>
+          <p:cNvPr id="39" name="Table 38">
+            <a:extLst>
+              <a:ext uri="{FF2B5EF4-FFF2-40B4-BE49-F238E27FC236}">
+                <a16:creationId xmlns:a16="http://schemas.microsoft.com/office/drawing/2014/main" id="{6C7F7E0F-64AB-4644-9D0A-1E6F8AC88869}"/>
+              </a:ext>
+            </a:extLst>
+          </p:cNvPr>
+          <p:cNvGraphicFramePr>
+            <a:graphicFrameLocks noGrp="1"/>
+          </p:cNvGraphicFramePr>
+          <p:nvPr>
+            <p:extLst>
+              <p:ext uri="{D42A27DB-BD31-4B8C-83A1-F6EECF244321}">
+                <p14:modId xmlns:p14="http://schemas.microsoft.com/office/powerpoint/2010/main" val="753409021"/>
+              </p:ext>
+            </p:extLst>
+          </p:nvPr>
+        </p:nvGraphicFramePr>
+        <p:xfrm>
+          <a:off x="450797" y="3901502"/>
+          <a:ext cx="1967027" cy="410363"/>
+        </p:xfrm>
+        <a:graphic>
+          <a:graphicData uri="http://schemas.openxmlformats.org/drawingml/2006/table">
+            <a:tbl>
+              <a:tblPr>
+                <a:tableStyleId>{638B1855-1B75-4FBE-930C-398BA8C253C6}</a:tableStyleId>
+              </a:tblPr>
+              <a:tblGrid>
+                <a:gridCol w="1967027">
+                  <a:extLst>
+                    <a:ext uri="{9D8B030D-6E8A-4147-A177-3AD203B41FA5}">
+                      <a16:colId xmlns:a16="http://schemas.microsoft.com/office/drawing/2014/main" val="4240773277"/>
+                    </a:ext>
+                  </a:extLst>
+                </a:gridCol>
+              </a:tblGrid>
+              <a:tr h="410363">
+                <a:tc>
+                  <a:txBody>
+                    <a:bodyPr/>
+                    <a:lstStyle/>
+                    <a:p>
+                      <a:pPr algn="ctr"/>
+                      <a:r>
+                        <a:rPr lang="en-SG" u="sng" dirty="0"/>
+                        <a:t>ch0:String</a:t>
+                      </a:r>
+                      <a:endParaRPr lang="en-SG" sz="1600" u="sng" dirty="0"/>
+                    </a:p>
+                  </a:txBody>
+                  <a:tcPr>
+                    <a:solidFill>
+                      <a:schemeClr val="accent5">
+                        <a:lumMod val="60000"/>
+                        <a:lumOff val="40000"/>
+                      </a:schemeClr>
+                    </a:solidFill>
+                  </a:tcPr>
+                </a:tc>
+                <a:extLst>
+                  <a:ext uri="{0D108BD9-81ED-4DB2-BD59-A6C34878D82A}">
+                    <a16:rowId xmlns:a16="http://schemas.microsoft.com/office/drawing/2014/main" val="2194462629"/>
+                  </a:ext>
+                </a:extLst>
+              </a:tr>
+            </a:tbl>
+          </a:graphicData>
+        </a:graphic>
+      </p:graphicFrame>
+      <p:graphicFrame>
+        <p:nvGraphicFramePr>
+          <p:cNvPr id="40" name="Table 39">
+            <a:extLst>
+              <a:ext uri="{FF2B5EF4-FFF2-40B4-BE49-F238E27FC236}">
+                <a16:creationId xmlns:a16="http://schemas.microsoft.com/office/drawing/2014/main" id="{CD315B4A-CAF4-B743-93B8-7FA8413A5C2F}"/>
+              </a:ext>
+            </a:extLst>
+          </p:cNvPr>
+          <p:cNvGraphicFramePr>
+            <a:graphicFrameLocks noGrp="1"/>
+          </p:cNvGraphicFramePr>
+          <p:nvPr>
+            <p:extLst>
+              <p:ext uri="{D42A27DB-BD31-4B8C-83A1-F6EECF244321}">
+                <p14:modId xmlns:p14="http://schemas.microsoft.com/office/powerpoint/2010/main" val="4218612607"/>
+              </p:ext>
+            </p:extLst>
+          </p:nvPr>
+        </p:nvGraphicFramePr>
+        <p:xfrm>
+          <a:off x="4554439" y="3915767"/>
+          <a:ext cx="1907416" cy="410363"/>
+        </p:xfrm>
+        <a:graphic>
+          <a:graphicData uri="http://schemas.openxmlformats.org/drawingml/2006/table">
+            <a:tbl>
+              <a:tblPr>
+                <a:tableStyleId>{638B1855-1B75-4FBE-930C-398BA8C253C6}</a:tableStyleId>
+              </a:tblPr>
+              <a:tblGrid>
+                <a:gridCol w="1907416">
+                  <a:extLst>
+                    <a:ext uri="{9D8B030D-6E8A-4147-A177-3AD203B41FA5}">
+                      <a16:colId xmlns:a16="http://schemas.microsoft.com/office/drawing/2014/main" val="4240773277"/>
+                    </a:ext>
+                  </a:extLst>
+                </a:gridCol>
+              </a:tblGrid>
+              <a:tr h="410363">
+                <a:tc>
+                  <a:txBody>
+                    <a:bodyPr/>
+                    <a:lstStyle/>
+                    <a:p>
+                      <a:pPr algn="ctr"/>
+                      <a:r>
+                        <a:rPr lang="en-SG" u="sng" dirty="0"/>
+                        <a:t>ch2:String</a:t>
+                      </a:r>
+                      <a:endParaRPr lang="en-SG" sz="1600" u="sng" dirty="0"/>
+                    </a:p>
+                  </a:txBody>
+                  <a:tcPr>
+                    <a:solidFill>
+                      <a:schemeClr val="accent5">
+                        <a:lumMod val="60000"/>
+                        <a:lumOff val="40000"/>
+                      </a:schemeClr>
+                    </a:solidFill>
+                  </a:tcPr>
+                </a:tc>
+                <a:extLst>
+                  <a:ext uri="{0D108BD9-81ED-4DB2-BD59-A6C34878D82A}">
+                    <a16:rowId xmlns:a16="http://schemas.microsoft.com/office/drawing/2014/main" val="2194462629"/>
+                  </a:ext>
+                </a:extLst>
+              </a:tr>
+            </a:tbl>
+          </a:graphicData>
+        </a:graphic>
+      </p:graphicFrame>
+      <p:sp>
+        <p:nvSpPr>
+          <p:cNvPr id="41" name="Rectangle 40">
+            <a:extLst>
+              <a:ext uri="{FF2B5EF4-FFF2-40B4-BE49-F238E27FC236}">
+                <a16:creationId xmlns:a16="http://schemas.microsoft.com/office/drawing/2014/main" id="{0413098F-A196-1847-9BEB-DC7B72FE0A09}"/>
+              </a:ext>
+            </a:extLst>
+          </p:cNvPr>
+          <p:cNvSpPr/>
+          <p:nvPr/>
+        </p:nvSpPr>
+        <p:spPr>
+          <a:xfrm>
+            <a:off x="358937" y="573761"/>
+            <a:ext cx="11364686" cy="618187"/>
+          </a:xfrm>
+          <a:prstGeom prst="rect">
+            <a:avLst/>
+          </a:prstGeom>
+          <a:noFill/>
+          <a:ln>
+            <a:solidFill>
+              <a:schemeClr val="tx1"/>
+            </a:solidFill>
+          </a:ln>
+        </p:spPr>
+        <p:style>
+          <a:lnRef idx="2">
+            <a:schemeClr val="accent1">
+              <a:shade val="50000"/>
+            </a:schemeClr>
+          </a:lnRef>
+          <a:fillRef idx="1">
+            <a:schemeClr val="accent1"/>
+          </a:fillRef>
+          <a:effectRef idx="0">
+            <a:schemeClr val="accent1"/>
+          </a:effectRef>
+          <a:fontRef idx="minor">
+            <a:schemeClr val="lt1"/>
+          </a:fontRef>
+        </p:style>
+        <p:txBody>
+          <a:bodyPr rtlCol="0" anchor="ctr"/>
+          <a:lstStyle/>
+          <a:p>
+            <a:pPr algn="ctr"/>
+            <a:endParaRPr lang="en-US"/>
+          </a:p>
+        </p:txBody>
+      </p:sp>
+      <p:graphicFrame>
+        <p:nvGraphicFramePr>
+          <p:cNvPr id="42" name="Table 41">
+            <a:extLst>
+              <a:ext uri="{FF2B5EF4-FFF2-40B4-BE49-F238E27FC236}">
+                <a16:creationId xmlns:a16="http://schemas.microsoft.com/office/drawing/2014/main" id="{86FA65C9-53C2-354C-B636-4F708952262F}"/>
+              </a:ext>
+            </a:extLst>
+          </p:cNvPr>
+          <p:cNvGraphicFramePr>
+            <a:graphicFrameLocks noGrp="1"/>
+          </p:cNvGraphicFramePr>
+          <p:nvPr>
+            <p:extLst>
+              <p:ext uri="{D42A27DB-BD31-4B8C-83A1-F6EECF244321}">
+                <p14:modId xmlns:p14="http://schemas.microsoft.com/office/powerpoint/2010/main" val="436091499"/>
+              </p:ext>
+            </p:extLst>
+          </p:nvPr>
+        </p:nvGraphicFramePr>
+        <p:xfrm>
+          <a:off x="2502369" y="669880"/>
+          <a:ext cx="1907416" cy="410363"/>
+        </p:xfrm>
+        <a:graphic>
+          <a:graphicData uri="http://schemas.openxmlformats.org/drawingml/2006/table">
+            <a:tbl>
+              <a:tblPr>
+                <a:tableStyleId>{638B1855-1B75-4FBE-930C-398BA8C253C6}</a:tableStyleId>
+              </a:tblPr>
+              <a:tblGrid>
+                <a:gridCol w="1907416">
+                  <a:extLst>
+                    <a:ext uri="{9D8B030D-6E8A-4147-A177-3AD203B41FA5}">
+                      <a16:colId xmlns:a16="http://schemas.microsoft.com/office/drawing/2014/main" val="4240773277"/>
+                    </a:ext>
+                  </a:extLst>
+                </a:gridCol>
+              </a:tblGrid>
+              <a:tr h="410363">
+                <a:tc>
+                  <a:txBody>
+                    <a:bodyPr/>
+                    <a:lstStyle/>
+                    <a:p>
+                      <a:pPr algn="ctr"/>
+                      <a:r>
+                        <a:rPr lang="en-SG" u="sng" dirty="0"/>
+                        <a:t>ch1:String</a:t>
+                      </a:r>
+                      <a:endParaRPr lang="en-SG" sz="1600" u="sng" dirty="0"/>
+                    </a:p>
+                  </a:txBody>
+                  <a:tcPr>
+                    <a:solidFill>
+                      <a:schemeClr val="accent5">
+                        <a:lumMod val="60000"/>
+                        <a:lumOff val="40000"/>
+                      </a:schemeClr>
+                    </a:solidFill>
+                  </a:tcPr>
+                </a:tc>
+                <a:extLst>
+                  <a:ext uri="{0D108BD9-81ED-4DB2-BD59-A6C34878D82A}">
+                    <a16:rowId xmlns:a16="http://schemas.microsoft.com/office/drawing/2014/main" val="2194462629"/>
+                  </a:ext>
+                </a:extLst>
+              </a:tr>
+            </a:tbl>
+          </a:graphicData>
+        </a:graphic>
+      </p:graphicFrame>
+      <p:graphicFrame>
+        <p:nvGraphicFramePr>
+          <p:cNvPr id="43" name="Table 42">
+            <a:extLst>
+              <a:ext uri="{FF2B5EF4-FFF2-40B4-BE49-F238E27FC236}">
+                <a16:creationId xmlns:a16="http://schemas.microsoft.com/office/drawing/2014/main" id="{B3993B54-2830-8F4E-BA7B-F1B33DF7D502}"/>
+              </a:ext>
+            </a:extLst>
+          </p:cNvPr>
+          <p:cNvGraphicFramePr>
+            <a:graphicFrameLocks noGrp="1"/>
+          </p:cNvGraphicFramePr>
+          <p:nvPr>
+            <p:extLst>
+              <p:ext uri="{D42A27DB-BD31-4B8C-83A1-F6EECF244321}">
+                <p14:modId xmlns:p14="http://schemas.microsoft.com/office/powerpoint/2010/main" val="889612333"/>
+              </p:ext>
+            </p:extLst>
+          </p:nvPr>
+        </p:nvGraphicFramePr>
+        <p:xfrm>
+          <a:off x="422330" y="663407"/>
+          <a:ext cx="1967027" cy="410363"/>
+        </p:xfrm>
+        <a:graphic>
+          <a:graphicData uri="http://schemas.openxmlformats.org/drawingml/2006/table">
+            <a:tbl>
+              <a:tblPr>
+                <a:tableStyleId>{638B1855-1B75-4FBE-930C-398BA8C253C6}</a:tableStyleId>
+              </a:tblPr>
+              <a:tblGrid>
+                <a:gridCol w="1967027">
+                  <a:extLst>
+                    <a:ext uri="{9D8B030D-6E8A-4147-A177-3AD203B41FA5}">
+                      <a16:colId xmlns:a16="http://schemas.microsoft.com/office/drawing/2014/main" val="4240773277"/>
+                    </a:ext>
+                  </a:extLst>
+                </a:gridCol>
+              </a:tblGrid>
+              <a:tr h="410363">
+                <a:tc>
+                  <a:txBody>
+                    <a:bodyPr/>
+                    <a:lstStyle/>
+                    <a:p>
+                      <a:pPr algn="ctr"/>
+                      <a:r>
+                        <a:rPr lang="en-SG" u="sng" dirty="0"/>
+                        <a:t>ch0:String</a:t>
+                      </a:r>
+                      <a:endParaRPr lang="en-SG" sz="1600" u="sng" dirty="0"/>
+                    </a:p>
+                  </a:txBody>
+                  <a:tcPr>
+                    <a:solidFill>
+                      <a:schemeClr val="accent5">
+                        <a:lumMod val="60000"/>
+                        <a:lumOff val="40000"/>
+                      </a:schemeClr>
+                    </a:solidFill>
+                  </a:tcPr>
+                </a:tc>
+                <a:extLst>
+                  <a:ext uri="{0D108BD9-81ED-4DB2-BD59-A6C34878D82A}">
+                    <a16:rowId xmlns:a16="http://schemas.microsoft.com/office/drawing/2014/main" val="2194462629"/>
+                  </a:ext>
+                </a:extLst>
+              </a:tr>
+            </a:tbl>
+          </a:graphicData>
+        </a:graphic>
+      </p:graphicFrame>
+      <p:graphicFrame>
+        <p:nvGraphicFramePr>
+          <p:cNvPr id="44" name="Table 43">
+            <a:extLst>
+              <a:ext uri="{FF2B5EF4-FFF2-40B4-BE49-F238E27FC236}">
+                <a16:creationId xmlns:a16="http://schemas.microsoft.com/office/drawing/2014/main" id="{8A64C4EA-F7BC-C74F-8D84-68848FC21A71}"/>
+              </a:ext>
+            </a:extLst>
+          </p:cNvPr>
+          <p:cNvGraphicFramePr>
+            <a:graphicFrameLocks noGrp="1"/>
+          </p:cNvGraphicFramePr>
+          <p:nvPr>
+            <p:extLst>
+              <p:ext uri="{D42A27DB-BD31-4B8C-83A1-F6EECF244321}">
+                <p14:modId xmlns:p14="http://schemas.microsoft.com/office/powerpoint/2010/main" val="2611798551"/>
+              </p:ext>
+            </p:extLst>
+          </p:nvPr>
+        </p:nvGraphicFramePr>
+        <p:xfrm>
+          <a:off x="4525972" y="677672"/>
+          <a:ext cx="1907416" cy="410363"/>
+        </p:xfrm>
+        <a:graphic>
+          <a:graphicData uri="http://schemas.openxmlformats.org/drawingml/2006/table">
+            <a:tbl>
+              <a:tblPr>
+                <a:tableStyleId>{638B1855-1B75-4FBE-930C-398BA8C253C6}</a:tableStyleId>
+              </a:tblPr>
+              <a:tblGrid>
+                <a:gridCol w="1907416">
+                  <a:extLst>
+                    <a:ext uri="{9D8B030D-6E8A-4147-A177-3AD203B41FA5}">
+                      <a16:colId xmlns:a16="http://schemas.microsoft.com/office/drawing/2014/main" val="4240773277"/>
+                    </a:ext>
+                  </a:extLst>
+                </a:gridCol>
+              </a:tblGrid>
+              <a:tr h="410363">
+                <a:tc>
+                  <a:txBody>
+                    <a:bodyPr/>
+                    <a:lstStyle/>
+                    <a:p>
+                      <a:pPr algn="ctr"/>
+                      <a:r>
+                        <a:rPr lang="en-SG" u="sng" dirty="0"/>
+                        <a:t>ch2:String</a:t>
+                      </a:r>
+                      <a:endParaRPr lang="en-SG" sz="1600" u="sng" dirty="0"/>
+                    </a:p>
+                  </a:txBody>
+                  <a:tcPr>
+                    <a:solidFill>
+                      <a:schemeClr val="accent5">
+                        <a:lumMod val="60000"/>
+                        <a:lumOff val="40000"/>
+                      </a:schemeClr>
+                    </a:solidFill>
+                  </a:tcPr>
+                </a:tc>
+                <a:extLst>
+                  <a:ext uri="{0D108BD9-81ED-4DB2-BD59-A6C34878D82A}">
+                    <a16:rowId xmlns:a16="http://schemas.microsoft.com/office/drawing/2014/main" val="2194462629"/>
+                  </a:ext>
+                </a:extLst>
+              </a:tr>
+            </a:tbl>
+          </a:graphicData>
+        </a:graphic>
+      </p:graphicFrame>
+      <p:sp>
+        <p:nvSpPr>
+          <p:cNvPr id="45" name="Rectangle 44">
+            <a:extLst>
+              <a:ext uri="{FF2B5EF4-FFF2-40B4-BE49-F238E27FC236}">
+                <a16:creationId xmlns:a16="http://schemas.microsoft.com/office/drawing/2014/main" id="{89277505-C269-B34B-874A-435E848ADC5B}"/>
+              </a:ext>
+            </a:extLst>
+          </p:cNvPr>
+          <p:cNvSpPr/>
+          <p:nvPr/>
+        </p:nvSpPr>
+        <p:spPr>
+          <a:xfrm>
+            <a:off x="358937" y="1325107"/>
+            <a:ext cx="11364686" cy="593918"/>
+          </a:xfrm>
+          <a:prstGeom prst="rect">
+            <a:avLst/>
+          </a:prstGeom>
+          <a:noFill/>
+          <a:ln>
+            <a:solidFill>
+              <a:schemeClr val="tx1"/>
+            </a:solidFill>
+          </a:ln>
+        </p:spPr>
+        <p:style>
+          <a:lnRef idx="2">
+            <a:schemeClr val="accent1">
+              <a:shade val="50000"/>
+            </a:schemeClr>
+          </a:lnRef>
+          <a:fillRef idx="1">
+            <a:schemeClr val="accent1"/>
+          </a:fillRef>
+          <a:effectRef idx="0">
+            <a:schemeClr val="accent1"/>
+          </a:effectRef>
+          <a:fontRef idx="minor">
+            <a:schemeClr val="lt1"/>
+          </a:fontRef>
+        </p:style>
+        <p:txBody>
+          <a:bodyPr rtlCol="0" anchor="ctr"/>
+          <a:lstStyle/>
+          <a:p>
+            <a:pPr algn="ctr"/>
+            <a:endParaRPr lang="en-US"/>
+          </a:p>
+        </p:txBody>
+      </p:sp>
+      <p:graphicFrame>
+        <p:nvGraphicFramePr>
+          <p:cNvPr id="46" name="Table 45">
+            <a:extLst>
+              <a:ext uri="{FF2B5EF4-FFF2-40B4-BE49-F238E27FC236}">
+                <a16:creationId xmlns:a16="http://schemas.microsoft.com/office/drawing/2014/main" id="{97AD2393-9EFE-A245-88BC-78988FA25696}"/>
+              </a:ext>
+            </a:extLst>
+          </p:cNvPr>
+          <p:cNvGraphicFramePr>
+            <a:graphicFrameLocks noGrp="1"/>
+          </p:cNvGraphicFramePr>
+          <p:nvPr>
+            <p:extLst>
+              <p:ext uri="{D42A27DB-BD31-4B8C-83A1-F6EECF244321}">
+                <p14:modId xmlns:p14="http://schemas.microsoft.com/office/powerpoint/2010/main" val="2674291531"/>
+              </p:ext>
+            </p:extLst>
+          </p:nvPr>
+        </p:nvGraphicFramePr>
+        <p:xfrm>
+          <a:off x="4522797" y="1413122"/>
+          <a:ext cx="1926000" cy="417888"/>
+        </p:xfrm>
+        <a:graphic>
+          <a:graphicData uri="http://schemas.openxmlformats.org/drawingml/2006/table">
+            <a:tbl>
+              <a:tblPr>
+                <a:tableStyleId>{638B1855-1B75-4FBE-930C-398BA8C253C6}</a:tableStyleId>
+              </a:tblPr>
+              <a:tblGrid>
+                <a:gridCol w="1926000">
+                  <a:extLst>
+                    <a:ext uri="{9D8B030D-6E8A-4147-A177-3AD203B41FA5}">
+                      <a16:colId xmlns:a16="http://schemas.microsoft.com/office/drawing/2014/main" val="4240773277"/>
+                    </a:ext>
+                  </a:extLst>
+                </a:gridCol>
+              </a:tblGrid>
+              <a:tr h="417888">
+                <a:tc>
+                  <a:txBody>
+                    <a:bodyPr/>
+                    <a:lstStyle/>
+                    <a:p>
+                      <a:r>
+                        <a:rPr lang="en-SG" u="sng" dirty="0"/>
+                        <a:t>cc2:CardCollection</a:t>
+                      </a:r>
+                      <a:endParaRPr lang="en-SG" sz="1600" u="sng" dirty="0"/>
+                    </a:p>
+                  </a:txBody>
+                  <a:tcPr/>
+                </a:tc>
+                <a:extLst>
+                  <a:ext uri="{0D108BD9-81ED-4DB2-BD59-A6C34878D82A}">
+                    <a16:rowId xmlns:a16="http://schemas.microsoft.com/office/drawing/2014/main" val="2194462629"/>
+                  </a:ext>
+                </a:extLst>
+              </a:tr>
+            </a:tbl>
+          </a:graphicData>
+        </a:graphic>
+      </p:graphicFrame>
+      <p:graphicFrame>
+        <p:nvGraphicFramePr>
+          <p:cNvPr id="47" name="Table 46">
+            <a:extLst>
+              <a:ext uri="{FF2B5EF4-FFF2-40B4-BE49-F238E27FC236}">
+                <a16:creationId xmlns:a16="http://schemas.microsoft.com/office/drawing/2014/main" id="{552823BC-934F-A24E-B438-81A9B9D98551}"/>
+              </a:ext>
+            </a:extLst>
+          </p:cNvPr>
+          <p:cNvGraphicFramePr>
+            <a:graphicFrameLocks noGrp="1"/>
+          </p:cNvGraphicFramePr>
+          <p:nvPr>
+            <p:extLst>
+              <p:ext uri="{D42A27DB-BD31-4B8C-83A1-F6EECF244321}">
+                <p14:modId xmlns:p14="http://schemas.microsoft.com/office/powerpoint/2010/main" val="3266743714"/>
+              </p:ext>
+            </p:extLst>
+          </p:nvPr>
+        </p:nvGraphicFramePr>
+        <p:xfrm>
+          <a:off x="2483785" y="1394983"/>
+          <a:ext cx="1926000" cy="417888"/>
+        </p:xfrm>
+        <a:graphic>
+          <a:graphicData uri="http://schemas.openxmlformats.org/drawingml/2006/table">
+            <a:tbl>
+              <a:tblPr>
+                <a:tableStyleId>{638B1855-1B75-4FBE-930C-398BA8C253C6}</a:tableStyleId>
+              </a:tblPr>
+              <a:tblGrid>
+                <a:gridCol w="1926000">
+                  <a:extLst>
+                    <a:ext uri="{9D8B030D-6E8A-4147-A177-3AD203B41FA5}">
+                      <a16:colId xmlns:a16="http://schemas.microsoft.com/office/drawing/2014/main" val="4240773277"/>
+                    </a:ext>
+                  </a:extLst>
+                </a:gridCol>
+              </a:tblGrid>
+              <a:tr h="417888">
+                <a:tc>
+                  <a:txBody>
+                    <a:bodyPr/>
+                    <a:lstStyle/>
+                    <a:p>
+                      <a:r>
+                        <a:rPr lang="en-SG" u="sng" dirty="0"/>
+                        <a:t>cc1:CardCollection</a:t>
+                      </a:r>
+                      <a:endParaRPr lang="en-SG" sz="1600" u="sng" dirty="0"/>
+                    </a:p>
+                  </a:txBody>
+                  <a:tcPr/>
+                </a:tc>
+                <a:extLst>
+                  <a:ext uri="{0D108BD9-81ED-4DB2-BD59-A6C34878D82A}">
+                    <a16:rowId xmlns:a16="http://schemas.microsoft.com/office/drawing/2014/main" val="2194462629"/>
+                  </a:ext>
+                </a:extLst>
+              </a:tr>
+            </a:tbl>
+          </a:graphicData>
+        </a:graphic>
+      </p:graphicFrame>
+      <p:graphicFrame>
+        <p:nvGraphicFramePr>
+          <p:cNvPr id="48" name="Table 47">
+            <a:extLst>
+              <a:ext uri="{FF2B5EF4-FFF2-40B4-BE49-F238E27FC236}">
+                <a16:creationId xmlns:a16="http://schemas.microsoft.com/office/drawing/2014/main" id="{155D6925-73B8-5648-B1A7-481322B2CB80}"/>
+              </a:ext>
+            </a:extLst>
+          </p:cNvPr>
+          <p:cNvGraphicFramePr>
+            <a:graphicFrameLocks noGrp="1"/>
+          </p:cNvGraphicFramePr>
+          <p:nvPr>
+            <p:extLst>
+              <p:ext uri="{D42A27DB-BD31-4B8C-83A1-F6EECF244321}">
+                <p14:modId xmlns:p14="http://schemas.microsoft.com/office/powerpoint/2010/main" val="2560467605"/>
+              </p:ext>
+            </p:extLst>
+          </p:nvPr>
+        </p:nvGraphicFramePr>
+        <p:xfrm>
+          <a:off x="444773" y="1394983"/>
+          <a:ext cx="1926000" cy="417888"/>
+        </p:xfrm>
+        <a:graphic>
+          <a:graphicData uri="http://schemas.openxmlformats.org/drawingml/2006/table">
+            <a:tbl>
+              <a:tblPr>
+                <a:tableStyleId>{638B1855-1B75-4FBE-930C-398BA8C253C6}</a:tableStyleId>
+              </a:tblPr>
+              <a:tblGrid>
+                <a:gridCol w="1926000">
+                  <a:extLst>
+                    <a:ext uri="{9D8B030D-6E8A-4147-A177-3AD203B41FA5}">
+                      <a16:colId xmlns:a16="http://schemas.microsoft.com/office/drawing/2014/main" val="4240773277"/>
+                    </a:ext>
+                  </a:extLst>
+                </a:gridCol>
+              </a:tblGrid>
+              <a:tr h="417888">
+                <a:tc>
+                  <a:txBody>
+                    <a:bodyPr/>
+                    <a:lstStyle/>
+                    <a:p>
+                      <a:r>
+                        <a:rPr lang="en-SG" u="sng" dirty="0"/>
+                        <a:t>cc0:CardCollection</a:t>
+                      </a:r>
+                      <a:endParaRPr lang="en-SG" sz="1600" u="sng" dirty="0"/>
+                    </a:p>
+                  </a:txBody>
+                  <a:tcPr/>
+                </a:tc>
+                <a:extLst>
+                  <a:ext uri="{0D108BD9-81ED-4DB2-BD59-A6C34878D82A}">
+                    <a16:rowId xmlns:a16="http://schemas.microsoft.com/office/drawing/2014/main" val="2194462629"/>
+                  </a:ext>
+                </a:extLst>
+              </a:tr>
+            </a:tbl>
+          </a:graphicData>
+        </a:graphic>
+      </p:graphicFrame>
     </p:spTree>
     <p:extLst>
       <p:ext uri="{BB962C8B-B14F-4D97-AF65-F5344CB8AC3E}">
